--- a/SubPage_Wireframe.pptx
+++ b/SubPage_Wireframe.pptx
@@ -295,7 +295,7 @@
                 </a:solidFill>
               </a:rPr>
               <a:pPr/>
-              <a:t>2016/4/8</a:t>
+              <a:t>2016/4/13</a:t>
             </a:fld>
             <a:endParaRPr lang="zh-TW" altLang="en-US">
               <a:solidFill>
@@ -497,7 +497,7 @@
                 </a:solidFill>
               </a:rPr>
               <a:pPr/>
-              <a:t>2016/4/8</a:t>
+              <a:t>2016/4/13</a:t>
             </a:fld>
             <a:endParaRPr lang="zh-TW" altLang="en-US">
               <a:solidFill>
@@ -709,7 +709,7 @@
                 </a:solidFill>
               </a:rPr>
               <a:pPr/>
-              <a:t>2016/4/8</a:t>
+              <a:t>2016/4/13</a:t>
             </a:fld>
             <a:endParaRPr lang="zh-TW" altLang="en-US">
               <a:solidFill>
@@ -911,7 +911,7 @@
                 </a:solidFill>
               </a:rPr>
               <a:pPr/>
-              <a:t>2016/4/8</a:t>
+              <a:t>2016/4/13</a:t>
             </a:fld>
             <a:endParaRPr lang="zh-TW" altLang="en-US">
               <a:solidFill>
@@ -1189,7 +1189,7 @@
                 </a:solidFill>
               </a:rPr>
               <a:pPr/>
-              <a:t>2016/4/8</a:t>
+              <a:t>2016/4/13</a:t>
             </a:fld>
             <a:endParaRPr lang="zh-TW" altLang="en-US">
               <a:solidFill>
@@ -1509,7 +1509,7 @@
                 </a:solidFill>
               </a:rPr>
               <a:pPr/>
-              <a:t>2016/4/8</a:t>
+              <a:t>2016/4/13</a:t>
             </a:fld>
             <a:endParaRPr lang="zh-TW" altLang="en-US">
               <a:solidFill>
@@ -1963,7 +1963,7 @@
                 </a:solidFill>
               </a:rPr>
               <a:pPr/>
-              <a:t>2016/4/8</a:t>
+              <a:t>2016/4/13</a:t>
             </a:fld>
             <a:endParaRPr lang="zh-TW" altLang="en-US">
               <a:solidFill>
@@ -2113,7 +2113,7 @@
                 </a:solidFill>
               </a:rPr>
               <a:pPr/>
-              <a:t>2016/4/8</a:t>
+              <a:t>2016/4/13</a:t>
             </a:fld>
             <a:endParaRPr lang="zh-TW" altLang="en-US">
               <a:solidFill>
@@ -2240,7 +2240,7 @@
                 </a:solidFill>
               </a:rPr>
               <a:pPr/>
-              <a:t>2016/4/8</a:t>
+              <a:t>2016/4/13</a:t>
             </a:fld>
             <a:endParaRPr lang="zh-TW" altLang="en-US">
               <a:solidFill>
@@ -2549,7 +2549,7 @@
                 </a:solidFill>
               </a:rPr>
               <a:pPr/>
-              <a:t>2016/4/8</a:t>
+              <a:t>2016/4/13</a:t>
             </a:fld>
             <a:endParaRPr lang="zh-TW" altLang="en-US">
               <a:solidFill>
@@ -2834,7 +2834,7 @@
                 </a:solidFill>
               </a:rPr>
               <a:pPr/>
-              <a:t>2016/4/8</a:t>
+              <a:t>2016/4/13</a:t>
             </a:fld>
             <a:endParaRPr lang="zh-TW" altLang="en-US">
               <a:solidFill>
@@ -3079,7 +3079,7 @@
                 </a:solidFill>
               </a:rPr>
               <a:pPr/>
-              <a:t>2016/4/8</a:t>
+              <a:t>2016/4/13</a:t>
             </a:fld>
             <a:endParaRPr lang="zh-TW" altLang="en-US">
               <a:solidFill>
@@ -4394,506 +4394,6 @@
       </p:grpSp>
       <p:grpSp>
         <p:nvGrpSpPr>
-          <p:cNvPr id="53" name="群組 52"/>
-          <p:cNvGrpSpPr/>
-          <p:nvPr/>
-        </p:nvGrpSpPr>
-        <p:grpSpPr>
-          <a:xfrm>
-            <a:off x="9281505" y="12244352"/>
-            <a:ext cx="2474472" cy="2138681"/>
-            <a:chOff x="-7319688" y="1057027"/>
-            <a:chExt cx="4176464" cy="1944216"/>
-          </a:xfrm>
-        </p:grpSpPr>
-        <p:sp>
-          <p:nvSpPr>
-            <p:cNvPr id="54" name="矩形 53"/>
-            <p:cNvSpPr/>
-            <p:nvPr/>
-          </p:nvSpPr>
-          <p:spPr>
-            <a:xfrm>
-              <a:off x="-7319688" y="1057027"/>
-              <a:ext cx="4176464" cy="1944216"/>
-            </a:xfrm>
-            <a:prstGeom prst="rect">
-              <a:avLst/>
-            </a:prstGeom>
-            <a:noFill/>
-            <a:ln>
-              <a:solidFill>
-                <a:schemeClr val="tx1"/>
-              </a:solidFill>
-            </a:ln>
-          </p:spPr>
-          <p:style>
-            <a:lnRef idx="2">
-              <a:schemeClr val="accent1">
-                <a:shade val="50000"/>
-              </a:schemeClr>
-            </a:lnRef>
-            <a:fillRef idx="1">
-              <a:schemeClr val="accent1"/>
-            </a:fillRef>
-            <a:effectRef idx="0">
-              <a:schemeClr val="accent1"/>
-            </a:effectRef>
-            <a:fontRef idx="minor">
-              <a:schemeClr val="lt1"/>
-            </a:fontRef>
-          </p:style>
-          <p:txBody>
-            <a:bodyPr rtlCol="0" anchor="ctr"/>
-            <a:lstStyle/>
-            <a:p>
-              <a:pPr algn="ctr" defTabSz="1219046"/>
-              <a:endParaRPr lang="zh-TW" altLang="en-US">
-                <a:solidFill>
-                  <a:prstClr val="white"/>
-                </a:solidFill>
-              </a:endParaRPr>
-            </a:p>
-          </p:txBody>
-        </p:sp>
-        <p:cxnSp>
-          <p:nvCxnSpPr>
-            <p:cNvPr id="55" name="直線接點 54"/>
-            <p:cNvCxnSpPr/>
-            <p:nvPr/>
-          </p:nvCxnSpPr>
-          <p:spPr>
-            <a:xfrm>
-              <a:off x="-7319688" y="1057027"/>
-              <a:ext cx="4176464" cy="1944216"/>
-            </a:xfrm>
-            <a:prstGeom prst="line">
-              <a:avLst/>
-            </a:prstGeom>
-          </p:spPr>
-          <p:style>
-            <a:lnRef idx="1">
-              <a:schemeClr val="accent1"/>
-            </a:lnRef>
-            <a:fillRef idx="0">
-              <a:schemeClr val="accent1"/>
-            </a:fillRef>
-            <a:effectRef idx="0">
-              <a:schemeClr val="accent1"/>
-            </a:effectRef>
-            <a:fontRef idx="minor">
-              <a:schemeClr val="tx1"/>
-            </a:fontRef>
-          </p:style>
-        </p:cxnSp>
-        <p:cxnSp>
-          <p:nvCxnSpPr>
-            <p:cNvPr id="56" name="直線接點 55"/>
-            <p:cNvCxnSpPr/>
-            <p:nvPr/>
-          </p:nvCxnSpPr>
-          <p:spPr>
-            <a:xfrm flipV="1">
-              <a:off x="-7319688" y="1057027"/>
-              <a:ext cx="4176464" cy="1944216"/>
-            </a:xfrm>
-            <a:prstGeom prst="line">
-              <a:avLst/>
-            </a:prstGeom>
-          </p:spPr>
-          <p:style>
-            <a:lnRef idx="1">
-              <a:schemeClr val="accent1"/>
-            </a:lnRef>
-            <a:fillRef idx="0">
-              <a:schemeClr val="accent1"/>
-            </a:fillRef>
-            <a:effectRef idx="0">
-              <a:schemeClr val="accent1"/>
-            </a:effectRef>
-            <a:fontRef idx="minor">
-              <a:schemeClr val="tx1"/>
-            </a:fontRef>
-          </p:style>
-        </p:cxnSp>
-      </p:grpSp>
-      <p:grpSp>
-        <p:nvGrpSpPr>
-          <p:cNvPr id="57" name="群組 56"/>
-          <p:cNvGrpSpPr/>
-          <p:nvPr/>
-        </p:nvGrpSpPr>
-        <p:grpSpPr>
-          <a:xfrm>
-            <a:off x="6301596" y="12244352"/>
-            <a:ext cx="2474472" cy="2138681"/>
-            <a:chOff x="-7319688" y="1057027"/>
-            <a:chExt cx="4176464" cy="1944216"/>
-          </a:xfrm>
-        </p:grpSpPr>
-        <p:sp>
-          <p:nvSpPr>
-            <p:cNvPr id="58" name="矩形 57"/>
-            <p:cNvSpPr/>
-            <p:nvPr/>
-          </p:nvSpPr>
-          <p:spPr>
-            <a:xfrm>
-              <a:off x="-7319688" y="1057027"/>
-              <a:ext cx="4176464" cy="1944216"/>
-            </a:xfrm>
-            <a:prstGeom prst="rect">
-              <a:avLst/>
-            </a:prstGeom>
-            <a:noFill/>
-            <a:ln>
-              <a:solidFill>
-                <a:schemeClr val="tx1"/>
-              </a:solidFill>
-            </a:ln>
-          </p:spPr>
-          <p:style>
-            <a:lnRef idx="2">
-              <a:schemeClr val="accent1">
-                <a:shade val="50000"/>
-              </a:schemeClr>
-            </a:lnRef>
-            <a:fillRef idx="1">
-              <a:schemeClr val="accent1"/>
-            </a:fillRef>
-            <a:effectRef idx="0">
-              <a:schemeClr val="accent1"/>
-            </a:effectRef>
-            <a:fontRef idx="minor">
-              <a:schemeClr val="lt1"/>
-            </a:fontRef>
-          </p:style>
-          <p:txBody>
-            <a:bodyPr rtlCol="0" anchor="ctr"/>
-            <a:lstStyle/>
-            <a:p>
-              <a:pPr algn="ctr" defTabSz="1219046"/>
-              <a:endParaRPr lang="zh-TW" altLang="en-US">
-                <a:solidFill>
-                  <a:prstClr val="white"/>
-                </a:solidFill>
-              </a:endParaRPr>
-            </a:p>
-          </p:txBody>
-        </p:sp>
-        <p:cxnSp>
-          <p:nvCxnSpPr>
-            <p:cNvPr id="59" name="直線接點 58"/>
-            <p:cNvCxnSpPr/>
-            <p:nvPr/>
-          </p:nvCxnSpPr>
-          <p:spPr>
-            <a:xfrm>
-              <a:off x="-7319688" y="1057027"/>
-              <a:ext cx="4176464" cy="1944216"/>
-            </a:xfrm>
-            <a:prstGeom prst="line">
-              <a:avLst/>
-            </a:prstGeom>
-          </p:spPr>
-          <p:style>
-            <a:lnRef idx="1">
-              <a:schemeClr val="accent1"/>
-            </a:lnRef>
-            <a:fillRef idx="0">
-              <a:schemeClr val="accent1"/>
-            </a:fillRef>
-            <a:effectRef idx="0">
-              <a:schemeClr val="accent1"/>
-            </a:effectRef>
-            <a:fontRef idx="minor">
-              <a:schemeClr val="tx1"/>
-            </a:fontRef>
-          </p:style>
-        </p:cxnSp>
-        <p:cxnSp>
-          <p:nvCxnSpPr>
-            <p:cNvPr id="60" name="直線接點 59"/>
-            <p:cNvCxnSpPr/>
-            <p:nvPr/>
-          </p:nvCxnSpPr>
-          <p:spPr>
-            <a:xfrm flipV="1">
-              <a:off x="-7319688" y="1057027"/>
-              <a:ext cx="4176464" cy="1944216"/>
-            </a:xfrm>
-            <a:prstGeom prst="line">
-              <a:avLst/>
-            </a:prstGeom>
-          </p:spPr>
-          <p:style>
-            <a:lnRef idx="1">
-              <a:schemeClr val="accent1"/>
-            </a:lnRef>
-            <a:fillRef idx="0">
-              <a:schemeClr val="accent1"/>
-            </a:fillRef>
-            <a:effectRef idx="0">
-              <a:schemeClr val="accent1"/>
-            </a:effectRef>
-            <a:fontRef idx="minor">
-              <a:schemeClr val="tx1"/>
-            </a:fontRef>
-          </p:style>
-        </p:cxnSp>
-      </p:grpSp>
-      <p:grpSp>
-        <p:nvGrpSpPr>
-          <p:cNvPr id="61" name="群組 60"/>
-          <p:cNvGrpSpPr/>
-          <p:nvPr/>
-        </p:nvGrpSpPr>
-        <p:grpSpPr>
-          <a:xfrm>
-            <a:off x="3321690" y="12244352"/>
-            <a:ext cx="2474472" cy="2138681"/>
-            <a:chOff x="-7319688" y="1057027"/>
-            <a:chExt cx="4176464" cy="1944216"/>
-          </a:xfrm>
-        </p:grpSpPr>
-        <p:sp>
-          <p:nvSpPr>
-            <p:cNvPr id="62" name="矩形 61"/>
-            <p:cNvSpPr/>
-            <p:nvPr/>
-          </p:nvSpPr>
-          <p:spPr>
-            <a:xfrm>
-              <a:off x="-7319688" y="1057027"/>
-              <a:ext cx="4176464" cy="1944216"/>
-            </a:xfrm>
-            <a:prstGeom prst="rect">
-              <a:avLst/>
-            </a:prstGeom>
-            <a:noFill/>
-            <a:ln>
-              <a:solidFill>
-                <a:schemeClr val="tx1"/>
-              </a:solidFill>
-            </a:ln>
-          </p:spPr>
-          <p:style>
-            <a:lnRef idx="2">
-              <a:schemeClr val="accent1">
-                <a:shade val="50000"/>
-              </a:schemeClr>
-            </a:lnRef>
-            <a:fillRef idx="1">
-              <a:schemeClr val="accent1"/>
-            </a:fillRef>
-            <a:effectRef idx="0">
-              <a:schemeClr val="accent1"/>
-            </a:effectRef>
-            <a:fontRef idx="minor">
-              <a:schemeClr val="lt1"/>
-            </a:fontRef>
-          </p:style>
-          <p:txBody>
-            <a:bodyPr rtlCol="0" anchor="ctr"/>
-            <a:lstStyle/>
-            <a:p>
-              <a:pPr algn="ctr" defTabSz="1219046"/>
-              <a:endParaRPr lang="zh-TW" altLang="en-US">
-                <a:solidFill>
-                  <a:prstClr val="white"/>
-                </a:solidFill>
-              </a:endParaRPr>
-            </a:p>
-          </p:txBody>
-        </p:sp>
-        <p:cxnSp>
-          <p:nvCxnSpPr>
-            <p:cNvPr id="63" name="直線接點 62"/>
-            <p:cNvCxnSpPr/>
-            <p:nvPr/>
-          </p:nvCxnSpPr>
-          <p:spPr>
-            <a:xfrm>
-              <a:off x="-7319688" y="1057027"/>
-              <a:ext cx="4176464" cy="1944216"/>
-            </a:xfrm>
-            <a:prstGeom prst="line">
-              <a:avLst/>
-            </a:prstGeom>
-          </p:spPr>
-          <p:style>
-            <a:lnRef idx="1">
-              <a:schemeClr val="accent1"/>
-            </a:lnRef>
-            <a:fillRef idx="0">
-              <a:schemeClr val="accent1"/>
-            </a:fillRef>
-            <a:effectRef idx="0">
-              <a:schemeClr val="accent1"/>
-            </a:effectRef>
-            <a:fontRef idx="minor">
-              <a:schemeClr val="tx1"/>
-            </a:fontRef>
-          </p:style>
-        </p:cxnSp>
-        <p:cxnSp>
-          <p:nvCxnSpPr>
-            <p:cNvPr id="64" name="直線接點 63"/>
-            <p:cNvCxnSpPr/>
-            <p:nvPr/>
-          </p:nvCxnSpPr>
-          <p:spPr>
-            <a:xfrm flipV="1">
-              <a:off x="-7319688" y="1057027"/>
-              <a:ext cx="4176464" cy="1944216"/>
-            </a:xfrm>
-            <a:prstGeom prst="line">
-              <a:avLst/>
-            </a:prstGeom>
-          </p:spPr>
-          <p:style>
-            <a:lnRef idx="1">
-              <a:schemeClr val="accent1"/>
-            </a:lnRef>
-            <a:fillRef idx="0">
-              <a:schemeClr val="accent1"/>
-            </a:fillRef>
-            <a:effectRef idx="0">
-              <a:schemeClr val="accent1"/>
-            </a:effectRef>
-            <a:fontRef idx="minor">
-              <a:schemeClr val="tx1"/>
-            </a:fontRef>
-          </p:style>
-        </p:cxnSp>
-      </p:grpSp>
-      <p:grpSp>
-        <p:nvGrpSpPr>
-          <p:cNvPr id="65" name="群組 64"/>
-          <p:cNvGrpSpPr/>
-          <p:nvPr/>
-        </p:nvGrpSpPr>
-        <p:grpSpPr>
-          <a:xfrm>
-            <a:off x="341784" y="12244352"/>
-            <a:ext cx="2474472" cy="2138681"/>
-            <a:chOff x="-7319688" y="1057027"/>
-            <a:chExt cx="4176464" cy="1944216"/>
-          </a:xfrm>
-        </p:grpSpPr>
-        <p:sp>
-          <p:nvSpPr>
-            <p:cNvPr id="66" name="矩形 65"/>
-            <p:cNvSpPr/>
-            <p:nvPr/>
-          </p:nvSpPr>
-          <p:spPr>
-            <a:xfrm>
-              <a:off x="-7319688" y="1057027"/>
-              <a:ext cx="4176464" cy="1944216"/>
-            </a:xfrm>
-            <a:prstGeom prst="rect">
-              <a:avLst/>
-            </a:prstGeom>
-            <a:noFill/>
-            <a:ln>
-              <a:solidFill>
-                <a:schemeClr val="tx1"/>
-              </a:solidFill>
-            </a:ln>
-          </p:spPr>
-          <p:style>
-            <a:lnRef idx="2">
-              <a:schemeClr val="accent1">
-                <a:shade val="50000"/>
-              </a:schemeClr>
-            </a:lnRef>
-            <a:fillRef idx="1">
-              <a:schemeClr val="accent1"/>
-            </a:fillRef>
-            <a:effectRef idx="0">
-              <a:schemeClr val="accent1"/>
-            </a:effectRef>
-            <a:fontRef idx="minor">
-              <a:schemeClr val="lt1"/>
-            </a:fontRef>
-          </p:style>
-          <p:txBody>
-            <a:bodyPr rtlCol="0" anchor="ctr"/>
-            <a:lstStyle/>
-            <a:p>
-              <a:pPr algn="ctr" defTabSz="1219046"/>
-              <a:endParaRPr lang="zh-TW" altLang="en-US">
-                <a:solidFill>
-                  <a:prstClr val="white"/>
-                </a:solidFill>
-              </a:endParaRPr>
-            </a:p>
-          </p:txBody>
-        </p:sp>
-        <p:cxnSp>
-          <p:nvCxnSpPr>
-            <p:cNvPr id="67" name="直線接點 66"/>
-            <p:cNvCxnSpPr/>
-            <p:nvPr/>
-          </p:nvCxnSpPr>
-          <p:spPr>
-            <a:xfrm>
-              <a:off x="-7319688" y="1057027"/>
-              <a:ext cx="4176464" cy="1944216"/>
-            </a:xfrm>
-            <a:prstGeom prst="line">
-              <a:avLst/>
-            </a:prstGeom>
-          </p:spPr>
-          <p:style>
-            <a:lnRef idx="1">
-              <a:schemeClr val="accent1"/>
-            </a:lnRef>
-            <a:fillRef idx="0">
-              <a:schemeClr val="accent1"/>
-            </a:fillRef>
-            <a:effectRef idx="0">
-              <a:schemeClr val="accent1"/>
-            </a:effectRef>
-            <a:fontRef idx="minor">
-              <a:schemeClr val="tx1"/>
-            </a:fontRef>
-          </p:style>
-        </p:cxnSp>
-        <p:cxnSp>
-          <p:nvCxnSpPr>
-            <p:cNvPr id="68" name="直線接點 67"/>
-            <p:cNvCxnSpPr/>
-            <p:nvPr/>
-          </p:nvCxnSpPr>
-          <p:spPr>
-            <a:xfrm flipV="1">
-              <a:off x="-7319688" y="1057027"/>
-              <a:ext cx="4176464" cy="1944216"/>
-            </a:xfrm>
-            <a:prstGeom prst="line">
-              <a:avLst/>
-            </a:prstGeom>
-          </p:spPr>
-          <p:style>
-            <a:lnRef idx="1">
-              <a:schemeClr val="accent1"/>
-            </a:lnRef>
-            <a:fillRef idx="0">
-              <a:schemeClr val="accent1"/>
-            </a:fillRef>
-            <a:effectRef idx="0">
-              <a:schemeClr val="accent1"/>
-            </a:effectRef>
-            <a:fontRef idx="minor">
-              <a:schemeClr val="tx1"/>
-            </a:fontRef>
-          </p:style>
-        </p:cxnSp>
-      </p:grpSp>
-      <p:grpSp>
-        <p:nvGrpSpPr>
           <p:cNvPr id="41" name="群組 40"/>
           <p:cNvGrpSpPr/>
           <p:nvPr/>
@@ -5064,6 +4564,567 @@
                 <a:prstClr val="white"/>
               </a:solidFill>
             </a:endParaRPr>
+          </a:p>
+        </p:txBody>
+      </p:sp>
+      <p:grpSp>
+        <p:nvGrpSpPr>
+          <p:cNvPr id="45" name="群組 44"/>
+          <p:cNvGrpSpPr/>
+          <p:nvPr/>
+        </p:nvGrpSpPr>
+        <p:grpSpPr>
+          <a:xfrm>
+            <a:off x="341782" y="11546408"/>
+            <a:ext cx="11414194" cy="1348299"/>
+            <a:chOff x="441353" y="8437847"/>
+            <a:chExt cx="14739496" cy="1044116"/>
+          </a:xfrm>
+        </p:grpSpPr>
+        <p:grpSp>
+          <p:nvGrpSpPr>
+            <p:cNvPr id="47" name="群組 46"/>
+            <p:cNvGrpSpPr/>
+            <p:nvPr/>
+          </p:nvGrpSpPr>
+          <p:grpSpPr>
+            <a:xfrm>
+              <a:off x="11985487" y="8437847"/>
+              <a:ext cx="3195362" cy="1044116"/>
+              <a:chOff x="-7319688" y="1057027"/>
+              <a:chExt cx="4176464" cy="1944216"/>
+            </a:xfrm>
+          </p:grpSpPr>
+          <p:sp>
+            <p:nvSpPr>
+              <p:cNvPr id="76" name="矩形 75"/>
+              <p:cNvSpPr/>
+              <p:nvPr/>
+            </p:nvSpPr>
+            <p:spPr>
+              <a:xfrm>
+                <a:off x="-7319688" y="1057027"/>
+                <a:ext cx="4176464" cy="1944216"/>
+              </a:xfrm>
+              <a:prstGeom prst="rect">
+                <a:avLst/>
+              </a:prstGeom>
+              <a:noFill/>
+              <a:ln>
+                <a:solidFill>
+                  <a:schemeClr val="tx1"/>
+                </a:solidFill>
+              </a:ln>
+            </p:spPr>
+            <p:style>
+              <a:lnRef idx="2">
+                <a:schemeClr val="accent1">
+                  <a:shade val="50000"/>
+                </a:schemeClr>
+              </a:lnRef>
+              <a:fillRef idx="1">
+                <a:schemeClr val="accent1"/>
+              </a:fillRef>
+              <a:effectRef idx="0">
+                <a:schemeClr val="accent1"/>
+              </a:effectRef>
+              <a:fontRef idx="minor">
+                <a:schemeClr val="lt1"/>
+              </a:fontRef>
+            </p:style>
+            <p:txBody>
+              <a:bodyPr rtlCol="0" anchor="ctr"/>
+              <a:lstStyle/>
+              <a:p>
+                <a:pPr algn="ctr"/>
+                <a:endParaRPr lang="zh-TW" altLang="en-US">
+                  <a:solidFill>
+                    <a:prstClr val="white"/>
+                  </a:solidFill>
+                </a:endParaRPr>
+              </a:p>
+            </p:txBody>
+          </p:sp>
+          <p:cxnSp>
+            <p:nvCxnSpPr>
+              <p:cNvPr id="77" name="直線接點 76"/>
+              <p:cNvCxnSpPr/>
+              <p:nvPr/>
+            </p:nvCxnSpPr>
+            <p:spPr>
+              <a:xfrm>
+                <a:off x="-7319688" y="1057027"/>
+                <a:ext cx="4176464" cy="1944216"/>
+              </a:xfrm>
+              <a:prstGeom prst="line">
+                <a:avLst/>
+              </a:prstGeom>
+            </p:spPr>
+            <p:style>
+              <a:lnRef idx="1">
+                <a:schemeClr val="accent1"/>
+              </a:lnRef>
+              <a:fillRef idx="0">
+                <a:schemeClr val="accent1"/>
+              </a:fillRef>
+              <a:effectRef idx="0">
+                <a:schemeClr val="accent1"/>
+              </a:effectRef>
+              <a:fontRef idx="minor">
+                <a:schemeClr val="tx1"/>
+              </a:fontRef>
+            </p:style>
+          </p:cxnSp>
+          <p:cxnSp>
+            <p:nvCxnSpPr>
+              <p:cNvPr id="78" name="直線接點 77"/>
+              <p:cNvCxnSpPr/>
+              <p:nvPr/>
+            </p:nvCxnSpPr>
+            <p:spPr>
+              <a:xfrm flipV="1">
+                <a:off x="-7319688" y="1057027"/>
+                <a:ext cx="4176464" cy="1944216"/>
+              </a:xfrm>
+              <a:prstGeom prst="line">
+                <a:avLst/>
+              </a:prstGeom>
+            </p:spPr>
+            <p:style>
+              <a:lnRef idx="1">
+                <a:schemeClr val="accent1"/>
+              </a:lnRef>
+              <a:fillRef idx="0">
+                <a:schemeClr val="accent1"/>
+              </a:fillRef>
+              <a:effectRef idx="0">
+                <a:schemeClr val="accent1"/>
+              </a:effectRef>
+              <a:fontRef idx="minor">
+                <a:schemeClr val="tx1"/>
+              </a:fontRef>
+            </p:style>
+          </p:cxnSp>
+        </p:grpSp>
+        <p:grpSp>
+          <p:nvGrpSpPr>
+            <p:cNvPr id="48" name="群組 47"/>
+            <p:cNvGrpSpPr/>
+            <p:nvPr/>
+          </p:nvGrpSpPr>
+          <p:grpSpPr>
+            <a:xfrm>
+              <a:off x="8137440" y="8437847"/>
+              <a:ext cx="3195362" cy="1044116"/>
+              <a:chOff x="-7319688" y="1057027"/>
+              <a:chExt cx="4176464" cy="1944216"/>
+            </a:xfrm>
+          </p:grpSpPr>
+          <p:sp>
+            <p:nvSpPr>
+              <p:cNvPr id="73" name="矩形 72"/>
+              <p:cNvSpPr/>
+              <p:nvPr/>
+            </p:nvSpPr>
+            <p:spPr>
+              <a:xfrm>
+                <a:off x="-7319688" y="1057027"/>
+                <a:ext cx="4176464" cy="1944216"/>
+              </a:xfrm>
+              <a:prstGeom prst="rect">
+                <a:avLst/>
+              </a:prstGeom>
+              <a:noFill/>
+              <a:ln>
+                <a:solidFill>
+                  <a:schemeClr val="tx1"/>
+                </a:solidFill>
+              </a:ln>
+            </p:spPr>
+            <p:style>
+              <a:lnRef idx="2">
+                <a:schemeClr val="accent1">
+                  <a:shade val="50000"/>
+                </a:schemeClr>
+              </a:lnRef>
+              <a:fillRef idx="1">
+                <a:schemeClr val="accent1"/>
+              </a:fillRef>
+              <a:effectRef idx="0">
+                <a:schemeClr val="accent1"/>
+              </a:effectRef>
+              <a:fontRef idx="minor">
+                <a:schemeClr val="lt1"/>
+              </a:fontRef>
+            </p:style>
+            <p:txBody>
+              <a:bodyPr rtlCol="0" anchor="ctr"/>
+              <a:lstStyle/>
+              <a:p>
+                <a:pPr algn="ctr"/>
+                <a:endParaRPr lang="zh-TW" altLang="en-US">
+                  <a:solidFill>
+                    <a:prstClr val="white"/>
+                  </a:solidFill>
+                </a:endParaRPr>
+              </a:p>
+            </p:txBody>
+          </p:sp>
+          <p:cxnSp>
+            <p:nvCxnSpPr>
+              <p:cNvPr id="74" name="直線接點 73"/>
+              <p:cNvCxnSpPr/>
+              <p:nvPr/>
+            </p:nvCxnSpPr>
+            <p:spPr>
+              <a:xfrm>
+                <a:off x="-7319688" y="1057027"/>
+                <a:ext cx="4176464" cy="1944216"/>
+              </a:xfrm>
+              <a:prstGeom prst="line">
+                <a:avLst/>
+              </a:prstGeom>
+            </p:spPr>
+            <p:style>
+              <a:lnRef idx="1">
+                <a:schemeClr val="accent1"/>
+              </a:lnRef>
+              <a:fillRef idx="0">
+                <a:schemeClr val="accent1"/>
+              </a:fillRef>
+              <a:effectRef idx="0">
+                <a:schemeClr val="accent1"/>
+              </a:effectRef>
+              <a:fontRef idx="minor">
+                <a:schemeClr val="tx1"/>
+              </a:fontRef>
+            </p:style>
+          </p:cxnSp>
+          <p:cxnSp>
+            <p:nvCxnSpPr>
+              <p:cNvPr id="75" name="直線接點 74"/>
+              <p:cNvCxnSpPr/>
+              <p:nvPr/>
+            </p:nvCxnSpPr>
+            <p:spPr>
+              <a:xfrm flipV="1">
+                <a:off x="-7319688" y="1057027"/>
+                <a:ext cx="4176464" cy="1944216"/>
+              </a:xfrm>
+              <a:prstGeom prst="line">
+                <a:avLst/>
+              </a:prstGeom>
+            </p:spPr>
+            <p:style>
+              <a:lnRef idx="1">
+                <a:schemeClr val="accent1"/>
+              </a:lnRef>
+              <a:fillRef idx="0">
+                <a:schemeClr val="accent1"/>
+              </a:fillRef>
+              <a:effectRef idx="0">
+                <a:schemeClr val="accent1"/>
+              </a:effectRef>
+              <a:fontRef idx="minor">
+                <a:schemeClr val="tx1"/>
+              </a:fontRef>
+            </p:style>
+          </p:cxnSp>
+        </p:grpSp>
+        <p:grpSp>
+          <p:nvGrpSpPr>
+            <p:cNvPr id="49" name="群組 48"/>
+            <p:cNvGrpSpPr/>
+            <p:nvPr/>
+          </p:nvGrpSpPr>
+          <p:grpSpPr>
+            <a:xfrm>
+              <a:off x="4289396" y="8437847"/>
+              <a:ext cx="3195362" cy="1044116"/>
+              <a:chOff x="-7319688" y="1057027"/>
+              <a:chExt cx="4176464" cy="1944216"/>
+            </a:xfrm>
+          </p:grpSpPr>
+          <p:sp>
+            <p:nvSpPr>
+              <p:cNvPr id="70" name="矩形 69"/>
+              <p:cNvSpPr/>
+              <p:nvPr/>
+            </p:nvSpPr>
+            <p:spPr>
+              <a:xfrm>
+                <a:off x="-7319688" y="1057027"/>
+                <a:ext cx="4176464" cy="1944216"/>
+              </a:xfrm>
+              <a:prstGeom prst="rect">
+                <a:avLst/>
+              </a:prstGeom>
+              <a:noFill/>
+              <a:ln>
+                <a:solidFill>
+                  <a:schemeClr val="tx1"/>
+                </a:solidFill>
+              </a:ln>
+            </p:spPr>
+            <p:style>
+              <a:lnRef idx="2">
+                <a:schemeClr val="accent1">
+                  <a:shade val="50000"/>
+                </a:schemeClr>
+              </a:lnRef>
+              <a:fillRef idx="1">
+                <a:schemeClr val="accent1"/>
+              </a:fillRef>
+              <a:effectRef idx="0">
+                <a:schemeClr val="accent1"/>
+              </a:effectRef>
+              <a:fontRef idx="minor">
+                <a:schemeClr val="lt1"/>
+              </a:fontRef>
+            </p:style>
+            <p:txBody>
+              <a:bodyPr rtlCol="0" anchor="ctr"/>
+              <a:lstStyle/>
+              <a:p>
+                <a:pPr algn="ctr"/>
+                <a:endParaRPr lang="zh-TW" altLang="en-US">
+                  <a:solidFill>
+                    <a:prstClr val="white"/>
+                  </a:solidFill>
+                </a:endParaRPr>
+              </a:p>
+            </p:txBody>
+          </p:sp>
+          <p:cxnSp>
+            <p:nvCxnSpPr>
+              <p:cNvPr id="71" name="直線接點 70"/>
+              <p:cNvCxnSpPr/>
+              <p:nvPr/>
+            </p:nvCxnSpPr>
+            <p:spPr>
+              <a:xfrm>
+                <a:off x="-7319688" y="1057027"/>
+                <a:ext cx="4176464" cy="1944216"/>
+              </a:xfrm>
+              <a:prstGeom prst="line">
+                <a:avLst/>
+              </a:prstGeom>
+            </p:spPr>
+            <p:style>
+              <a:lnRef idx="1">
+                <a:schemeClr val="accent1"/>
+              </a:lnRef>
+              <a:fillRef idx="0">
+                <a:schemeClr val="accent1"/>
+              </a:fillRef>
+              <a:effectRef idx="0">
+                <a:schemeClr val="accent1"/>
+              </a:effectRef>
+              <a:fontRef idx="minor">
+                <a:schemeClr val="tx1"/>
+              </a:fontRef>
+            </p:style>
+          </p:cxnSp>
+          <p:cxnSp>
+            <p:nvCxnSpPr>
+              <p:cNvPr id="72" name="直線接點 71"/>
+              <p:cNvCxnSpPr/>
+              <p:nvPr/>
+            </p:nvCxnSpPr>
+            <p:spPr>
+              <a:xfrm flipV="1">
+                <a:off x="-7319688" y="1057027"/>
+                <a:ext cx="4176464" cy="1944216"/>
+              </a:xfrm>
+              <a:prstGeom prst="line">
+                <a:avLst/>
+              </a:prstGeom>
+            </p:spPr>
+            <p:style>
+              <a:lnRef idx="1">
+                <a:schemeClr val="accent1"/>
+              </a:lnRef>
+              <a:fillRef idx="0">
+                <a:schemeClr val="accent1"/>
+              </a:fillRef>
+              <a:effectRef idx="0">
+                <a:schemeClr val="accent1"/>
+              </a:effectRef>
+              <a:fontRef idx="minor">
+                <a:schemeClr val="tx1"/>
+              </a:fontRef>
+            </p:style>
+          </p:cxnSp>
+        </p:grpSp>
+        <p:grpSp>
+          <p:nvGrpSpPr>
+            <p:cNvPr id="50" name="群組 49"/>
+            <p:cNvGrpSpPr/>
+            <p:nvPr/>
+          </p:nvGrpSpPr>
+          <p:grpSpPr>
+            <a:xfrm>
+              <a:off x="441353" y="8437847"/>
+              <a:ext cx="3195362" cy="1044116"/>
+              <a:chOff x="-7319688" y="1057027"/>
+              <a:chExt cx="4176464" cy="1944216"/>
+            </a:xfrm>
+          </p:grpSpPr>
+          <p:sp>
+            <p:nvSpPr>
+              <p:cNvPr id="51" name="矩形 50"/>
+              <p:cNvSpPr/>
+              <p:nvPr/>
+            </p:nvSpPr>
+            <p:spPr>
+              <a:xfrm>
+                <a:off x="-7319688" y="1057027"/>
+                <a:ext cx="4176464" cy="1944216"/>
+              </a:xfrm>
+              <a:prstGeom prst="rect">
+                <a:avLst/>
+              </a:prstGeom>
+              <a:noFill/>
+              <a:ln>
+                <a:solidFill>
+                  <a:schemeClr val="tx1"/>
+                </a:solidFill>
+              </a:ln>
+            </p:spPr>
+            <p:style>
+              <a:lnRef idx="2">
+                <a:schemeClr val="accent1">
+                  <a:shade val="50000"/>
+                </a:schemeClr>
+              </a:lnRef>
+              <a:fillRef idx="1">
+                <a:schemeClr val="accent1"/>
+              </a:fillRef>
+              <a:effectRef idx="0">
+                <a:schemeClr val="accent1"/>
+              </a:effectRef>
+              <a:fontRef idx="minor">
+                <a:schemeClr val="lt1"/>
+              </a:fontRef>
+            </p:style>
+            <p:txBody>
+              <a:bodyPr rtlCol="0" anchor="ctr"/>
+              <a:lstStyle/>
+              <a:p>
+                <a:pPr algn="ctr"/>
+                <a:endParaRPr lang="zh-TW" altLang="en-US">
+                  <a:solidFill>
+                    <a:prstClr val="white"/>
+                  </a:solidFill>
+                </a:endParaRPr>
+              </a:p>
+            </p:txBody>
+          </p:sp>
+          <p:cxnSp>
+            <p:nvCxnSpPr>
+              <p:cNvPr id="52" name="直線接點 51"/>
+              <p:cNvCxnSpPr/>
+              <p:nvPr/>
+            </p:nvCxnSpPr>
+            <p:spPr>
+              <a:xfrm>
+                <a:off x="-7319688" y="1057027"/>
+                <a:ext cx="4176464" cy="1944216"/>
+              </a:xfrm>
+              <a:prstGeom prst="line">
+                <a:avLst/>
+              </a:prstGeom>
+            </p:spPr>
+            <p:style>
+              <a:lnRef idx="1">
+                <a:schemeClr val="accent1"/>
+              </a:lnRef>
+              <a:fillRef idx="0">
+                <a:schemeClr val="accent1"/>
+              </a:fillRef>
+              <a:effectRef idx="0">
+                <a:schemeClr val="accent1"/>
+              </a:effectRef>
+              <a:fontRef idx="minor">
+                <a:schemeClr val="tx1"/>
+              </a:fontRef>
+            </p:style>
+          </p:cxnSp>
+          <p:cxnSp>
+            <p:nvCxnSpPr>
+              <p:cNvPr id="69" name="直線接點 68"/>
+              <p:cNvCxnSpPr/>
+              <p:nvPr/>
+            </p:nvCxnSpPr>
+            <p:spPr>
+              <a:xfrm flipV="1">
+                <a:off x="-7319688" y="1057027"/>
+                <a:ext cx="4176464" cy="1944216"/>
+              </a:xfrm>
+              <a:prstGeom prst="line">
+                <a:avLst/>
+              </a:prstGeom>
+            </p:spPr>
+            <p:style>
+              <a:lnRef idx="1">
+                <a:schemeClr val="accent1"/>
+              </a:lnRef>
+              <a:fillRef idx="0">
+                <a:schemeClr val="accent1"/>
+              </a:fillRef>
+              <a:effectRef idx="0">
+                <a:schemeClr val="accent1"/>
+              </a:effectRef>
+              <a:fontRef idx="minor">
+                <a:schemeClr val="tx1"/>
+              </a:fontRef>
+            </p:style>
+          </p:cxnSp>
+        </p:grpSp>
+      </p:grpSp>
+      <p:sp>
+        <p:nvSpPr>
+          <p:cNvPr id="2" name="矩形 1"/>
+          <p:cNvSpPr/>
+          <p:nvPr/>
+        </p:nvSpPr>
+        <p:spPr>
+          <a:xfrm>
+            <a:off x="341784" y="13272120"/>
+            <a:ext cx="11405490" cy="1586656"/>
+          </a:xfrm>
+          <a:prstGeom prst="rect">
+            <a:avLst/>
+          </a:prstGeom>
+          <a:noFill/>
+          <a:ln>
+            <a:solidFill>
+              <a:schemeClr val="tx1"/>
+            </a:solidFill>
+          </a:ln>
+        </p:spPr>
+        <p:style>
+          <a:lnRef idx="2">
+            <a:schemeClr val="accent1">
+              <a:shade val="50000"/>
+            </a:schemeClr>
+          </a:lnRef>
+          <a:fillRef idx="1">
+            <a:schemeClr val="accent1"/>
+          </a:fillRef>
+          <a:effectRef idx="0">
+            <a:schemeClr val="accent1"/>
+          </a:effectRef>
+          <a:fontRef idx="minor">
+            <a:schemeClr val="lt1"/>
+          </a:fontRef>
+        </p:style>
+        <p:txBody>
+          <a:bodyPr rtlCol="0" anchor="ctr"/>
+          <a:lstStyle/>
+          <a:p>
+            <a:pPr algn="ctr"/>
+            <a:endParaRPr lang="zh-TW" altLang="en-US"/>
           </a:p>
         </p:txBody>
       </p:sp>

--- a/SubPage_Wireframe.pptx
+++ b/SubPage_Wireframe.pptx
@@ -295,7 +295,7 @@
                 </a:solidFill>
               </a:rPr>
               <a:pPr/>
-              <a:t>2016/4/13</a:t>
+              <a:t>2016/4/20</a:t>
             </a:fld>
             <a:endParaRPr lang="zh-TW" altLang="en-US">
               <a:solidFill>
@@ -497,7 +497,7 @@
                 </a:solidFill>
               </a:rPr>
               <a:pPr/>
-              <a:t>2016/4/13</a:t>
+              <a:t>2016/4/20</a:t>
             </a:fld>
             <a:endParaRPr lang="zh-TW" altLang="en-US">
               <a:solidFill>
@@ -709,7 +709,7 @@
                 </a:solidFill>
               </a:rPr>
               <a:pPr/>
-              <a:t>2016/4/13</a:t>
+              <a:t>2016/4/20</a:t>
             </a:fld>
             <a:endParaRPr lang="zh-TW" altLang="en-US">
               <a:solidFill>
@@ -911,7 +911,7 @@
                 </a:solidFill>
               </a:rPr>
               <a:pPr/>
-              <a:t>2016/4/13</a:t>
+              <a:t>2016/4/20</a:t>
             </a:fld>
             <a:endParaRPr lang="zh-TW" altLang="en-US">
               <a:solidFill>
@@ -1189,7 +1189,7 @@
                 </a:solidFill>
               </a:rPr>
               <a:pPr/>
-              <a:t>2016/4/13</a:t>
+              <a:t>2016/4/20</a:t>
             </a:fld>
             <a:endParaRPr lang="zh-TW" altLang="en-US">
               <a:solidFill>
@@ -1509,7 +1509,7 @@
                 </a:solidFill>
               </a:rPr>
               <a:pPr/>
-              <a:t>2016/4/13</a:t>
+              <a:t>2016/4/20</a:t>
             </a:fld>
             <a:endParaRPr lang="zh-TW" altLang="en-US">
               <a:solidFill>
@@ -1963,7 +1963,7 @@
                 </a:solidFill>
               </a:rPr>
               <a:pPr/>
-              <a:t>2016/4/13</a:t>
+              <a:t>2016/4/20</a:t>
             </a:fld>
             <a:endParaRPr lang="zh-TW" altLang="en-US">
               <a:solidFill>
@@ -2113,7 +2113,7 @@
                 </a:solidFill>
               </a:rPr>
               <a:pPr/>
-              <a:t>2016/4/13</a:t>
+              <a:t>2016/4/20</a:t>
             </a:fld>
             <a:endParaRPr lang="zh-TW" altLang="en-US">
               <a:solidFill>
@@ -2240,7 +2240,7 @@
                 </a:solidFill>
               </a:rPr>
               <a:pPr/>
-              <a:t>2016/4/13</a:t>
+              <a:t>2016/4/20</a:t>
             </a:fld>
             <a:endParaRPr lang="zh-TW" altLang="en-US">
               <a:solidFill>
@@ -2549,7 +2549,7 @@
                 </a:solidFill>
               </a:rPr>
               <a:pPr/>
-              <a:t>2016/4/13</a:t>
+              <a:t>2016/4/20</a:t>
             </a:fld>
             <a:endParaRPr lang="zh-TW" altLang="en-US">
               <a:solidFill>
@@ -2834,7 +2834,7 @@
                 </a:solidFill>
               </a:rPr>
               <a:pPr/>
-              <a:t>2016/4/13</a:t>
+              <a:t>2016/4/20</a:t>
             </a:fld>
             <a:endParaRPr lang="zh-TW" altLang="en-US">
               <a:solidFill>
@@ -3079,7 +3079,7 @@
                 </a:solidFill>
               </a:rPr>
               <a:pPr/>
-              <a:t>2016/4/13</a:t>
+              <a:t>2016/4/20</a:t>
             </a:fld>
             <a:endParaRPr lang="zh-TW" altLang="en-US">
               <a:solidFill>
@@ -4401,7 +4401,7 @@
         <p:grpSpPr>
           <a:xfrm>
             <a:off x="3312988" y="5929784"/>
-            <a:ext cx="8434286" cy="4646394"/>
+            <a:ext cx="8434286" cy="3096344"/>
             <a:chOff x="-7319688" y="1057027"/>
             <a:chExt cx="4176464" cy="1944216"/>
           </a:xfrm>
@@ -4526,7 +4526,7 @@
         <p:spPr>
           <a:xfrm>
             <a:off x="341784" y="5929784"/>
-            <a:ext cx="2474472" cy="4646394"/>
+            <a:ext cx="2474472" cy="5040560"/>
           </a:xfrm>
           <a:prstGeom prst="rect">
             <a:avLst/>
@@ -5125,6 +5125,56 @@
           <a:p>
             <a:pPr algn="ctr"/>
             <a:endParaRPr lang="zh-TW" altLang="en-US"/>
+          </a:p>
+        </p:txBody>
+      </p:sp>
+      <p:sp>
+        <p:nvSpPr>
+          <p:cNvPr id="53" name="矩形 52"/>
+          <p:cNvSpPr/>
+          <p:nvPr/>
+        </p:nvSpPr>
+        <p:spPr>
+          <a:xfrm>
+            <a:off x="3312987" y="9458176"/>
+            <a:ext cx="8442991" cy="1512168"/>
+          </a:xfrm>
+          <a:prstGeom prst="rect">
+            <a:avLst/>
+          </a:prstGeom>
+          <a:noFill/>
+          <a:ln>
+            <a:solidFill>
+              <a:schemeClr val="tx1"/>
+            </a:solidFill>
+          </a:ln>
+        </p:spPr>
+        <p:style>
+          <a:lnRef idx="2">
+            <a:schemeClr val="accent1">
+              <a:shade val="50000"/>
+            </a:schemeClr>
+          </a:lnRef>
+          <a:fillRef idx="1">
+            <a:schemeClr val="accent1"/>
+          </a:fillRef>
+          <a:effectRef idx="0">
+            <a:schemeClr val="accent1"/>
+          </a:effectRef>
+          <a:fontRef idx="minor">
+            <a:schemeClr val="lt1"/>
+          </a:fontRef>
+        </p:style>
+        <p:txBody>
+          <a:bodyPr rtlCol="0" anchor="ctr"/>
+          <a:lstStyle/>
+          <a:p>
+            <a:pPr algn="ctr" defTabSz="1219046"/>
+            <a:endParaRPr lang="zh-TW" altLang="en-US">
+              <a:solidFill>
+                <a:prstClr val="white"/>
+              </a:solidFill>
+            </a:endParaRPr>
           </a:p>
         </p:txBody>
       </p:sp>
